--- a/test/pptx/incremental-lists/without-flag/deleted-layouts.pptx
+++ b/test/pptx/incremental-lists/without-flag/deleted-layouts.pptx
@@ -3342,23 +3342,7 @@
             </a:pPr>
             <a:r>
               <a:rPr/>
-              <a:t>Slide</a:t>
-            </a:r>
-            <a:r>
-              <a:rPr/>
-              <a:t> </a:t>
-            </a:r>
-            <a:r>
-              <a:rPr/>
-              <a:t>1</a:t>
-            </a:r>
-            <a:r>
-              <a:rPr/>
-              <a:t> </a:t>
-            </a:r>
-            <a:r>
-              <a:rPr/>
-              <a:t>(Content)</a:t>
+              <a:t>Slide 1 (Content)</a:t>
             </a:r>
           </a:p>
         </p:txBody>
@@ -3734,23 +3718,7 @@
             </a:pPr>
             <a:r>
               <a:rPr/>
-              <a:t>Slide</a:t>
-            </a:r>
-            <a:r>
-              <a:rPr/>
-              <a:t> </a:t>
-            </a:r>
-            <a:r>
-              <a:rPr/>
-              <a:t>11</a:t>
-            </a:r>
-            <a:r>
-              <a:rPr/>
-              <a:t> </a:t>
-            </a:r>
-            <a:r>
-              <a:rPr/>
-              <a:t>(Content)</a:t>
+              <a:t>Slide 11 (Content)</a:t>
             </a:r>
           </a:p>
         </p:txBody>
@@ -4230,23 +4198,7 @@
             </a:pPr>
             <a:r>
               <a:rPr/>
-              <a:t>Slide</a:t>
-            </a:r>
-            <a:r>
-              <a:rPr/>
-              <a:t> </a:t>
-            </a:r>
-            <a:r>
-              <a:rPr/>
-              <a:t>12</a:t>
-            </a:r>
-            <a:r>
-              <a:rPr/>
-              <a:t> </a:t>
-            </a:r>
-            <a:r>
-              <a:rPr/>
-              <a:t>(Content)</a:t>
+              <a:t>Slide 12 (Content)</a:t>
             </a:r>
           </a:p>
         </p:txBody>
@@ -4531,23 +4483,7 @@
             </a:pPr>
             <a:r>
               <a:rPr/>
-              <a:t>Slide</a:t>
-            </a:r>
-            <a:r>
-              <a:rPr/>
-              <a:t> </a:t>
-            </a:r>
-            <a:r>
-              <a:rPr/>
-              <a:t>2</a:t>
-            </a:r>
-            <a:r>
-              <a:rPr/>
-              <a:t> </a:t>
-            </a:r>
-            <a:r>
-              <a:rPr/>
-              <a:t>(Content)</a:t>
+              <a:t>Slide 2 (Content)</a:t>
             </a:r>
           </a:p>
         </p:txBody>
@@ -4631,23 +4567,7 @@
             </a:pPr>
             <a:r>
               <a:rPr/>
-              <a:t>Slide</a:t>
-            </a:r>
-            <a:r>
-              <a:rPr/>
-              <a:t> </a:t>
-            </a:r>
-            <a:r>
-              <a:rPr/>
-              <a:t>3</a:t>
-            </a:r>
-            <a:r>
-              <a:rPr/>
-              <a:t> </a:t>
-            </a:r>
-            <a:r>
-              <a:rPr/>
-              <a:t>(Content)</a:t>
+              <a:t>Slide 3 (Content)</a:t>
             </a:r>
           </a:p>
         </p:txBody>
@@ -4920,23 +4840,7 @@
             </a:pPr>
             <a:r>
               <a:rPr/>
-              <a:t>Slide</a:t>
-            </a:r>
-            <a:r>
-              <a:rPr/>
-              <a:t> </a:t>
-            </a:r>
-            <a:r>
-              <a:rPr/>
-              <a:t>4</a:t>
-            </a:r>
-            <a:r>
-              <a:rPr/>
-              <a:t> </a:t>
-            </a:r>
-            <a:r>
-              <a:rPr/>
-              <a:t>(Content)</a:t>
+              <a:t>Slide 4 (Content)</a:t>
             </a:r>
           </a:p>
         </p:txBody>
@@ -5215,31 +5119,7 @@
             </a:pPr>
             <a:r>
               <a:rPr/>
-              <a:t>Slide</a:t>
-            </a:r>
-            <a:r>
-              <a:rPr/>
-              <a:t> </a:t>
-            </a:r>
-            <a:r>
-              <a:rPr/>
-              <a:t>5</a:t>
-            </a:r>
-            <a:r>
-              <a:rPr/>
-              <a:t> </a:t>
-            </a:r>
-            <a:r>
-              <a:rPr/>
-              <a:t>(Two</a:t>
-            </a:r>
-            <a:r>
-              <a:rPr/>
-              <a:t> </a:t>
-            </a:r>
-            <a:r>
-              <a:rPr/>
-              <a:t>Content)</a:t>
+              <a:t>Slide 5 (Two Content)</a:t>
             </a:r>
           </a:p>
         </p:txBody>
@@ -5736,39 +5616,7 @@
             </a:pPr>
             <a:r>
               <a:rPr/>
-              <a:t>Slide</a:t>
-            </a:r>
-            <a:r>
-              <a:rPr/>
-              <a:t> </a:t>
-            </a:r>
-            <a:r>
-              <a:rPr/>
-              <a:t>6</a:t>
-            </a:r>
-            <a:r>
-              <a:rPr/>
-              <a:t> </a:t>
-            </a:r>
-            <a:r>
-              <a:rPr/>
-              <a:t>(Two</a:t>
-            </a:r>
-            <a:r>
-              <a:rPr/>
-              <a:t> </a:t>
-            </a:r>
-            <a:r>
-              <a:rPr/>
-              <a:t>Content</a:t>
-            </a:r>
-            <a:r>
-              <a:rPr/>
-              <a:t> </a:t>
-            </a:r>
-            <a:r>
-              <a:rPr/>
-              <a:t>Right)</a:t>
+              <a:t>Slide 6 (Two Content Right)</a:t>
             </a:r>
           </a:p>
         </p:txBody>
@@ -5828,15 +5676,7 @@
             </a:pPr>
             <a:r>
               <a:rPr/>
-              <a:t>an</a:t>
-            </a:r>
-            <a:r>
-              <a:rPr/>
-              <a:t> </a:t>
-            </a:r>
-            <a:r>
-              <a:rPr/>
-              <a:t>image</a:t>
+              <a:t>an image</a:t>
             </a:r>
           </a:p>
         </p:txBody>
@@ -6105,39 +5945,7 @@
             </a:pPr>
             <a:r>
               <a:rPr/>
-              <a:t>Slide</a:t>
-            </a:r>
-            <a:r>
-              <a:rPr/>
-              <a:t> </a:t>
-            </a:r>
-            <a:r>
-              <a:rPr/>
-              <a:t>7</a:t>
-            </a:r>
-            <a:r>
-              <a:rPr/>
-              <a:t> </a:t>
-            </a:r>
-            <a:r>
-              <a:rPr/>
-              <a:t>(Content</a:t>
-            </a:r>
-            <a:r>
-              <a:rPr/>
-              <a:t> </a:t>
-            </a:r>
-            <a:r>
-              <a:rPr/>
-              <a:t>with</a:t>
-            </a:r>
-            <a:r>
-              <a:rPr/>
-              <a:t> </a:t>
-            </a:r>
-            <a:r>
-              <a:rPr/>
-              <a:t>Caption)</a:t>
+              <a:t>Slide 7 (Content with Caption)</a:t>
             </a:r>
           </a:p>
         </p:txBody>
@@ -6252,15 +6060,7 @@
             </a:pPr>
             <a:r>
               <a:rPr/>
-              <a:t>An</a:t>
-            </a:r>
-            <a:r>
-              <a:rPr/>
-              <a:t> </a:t>
-            </a:r>
-            <a:r>
-              <a:rPr/>
-              <a:t>image</a:t>
+              <a:t>An image</a:t>
             </a:r>
           </a:p>
         </p:txBody>
@@ -6487,23 +6287,7 @@
             </a:pPr>
             <a:r>
               <a:rPr/>
-              <a:t>Slide</a:t>
-            </a:r>
-            <a:r>
-              <a:rPr/>
-              <a:t> </a:t>
-            </a:r>
-            <a:r>
-              <a:rPr/>
-              <a:t>8</a:t>
-            </a:r>
-            <a:r>
-              <a:rPr/>
-              <a:t> </a:t>
-            </a:r>
-            <a:r>
-              <a:rPr/>
-              <a:t>(Comparison)</a:t>
+              <a:t>Slide 8 (Comparison)</a:t>
             </a:r>
           </a:p>
         </p:txBody>
@@ -6600,15 +6384,7 @@
             </a:pPr>
             <a:r>
               <a:rPr/>
-              <a:t>An</a:t>
-            </a:r>
-            <a:r>
-              <a:rPr/>
-              <a:t> </a:t>
-            </a:r>
-            <a:r>
-              <a:rPr/>
-              <a:t>image</a:t>
+              <a:t>An image</a:t>
             </a:r>
           </a:p>
         </p:txBody>
@@ -7088,23 +6864,7 @@
             </a:pPr>
             <a:r>
               <a:rPr/>
-              <a:t>Slide</a:t>
-            </a:r>
-            <a:r>
-              <a:rPr/>
-              <a:t> </a:t>
-            </a:r>
-            <a:r>
-              <a:rPr/>
-              <a:t>10</a:t>
-            </a:r>
-            <a:r>
-              <a:rPr/>
-              <a:t> </a:t>
-            </a:r>
-            <a:r>
-              <a:rPr/>
-              <a:t>(Content)</a:t>
+              <a:t>Slide 10 (Content)</a:t>
             </a:r>
           </a:p>
         </p:txBody>

--- a/test/pptx/incremental-lists/without-flag/deleted-layouts.pptx
+++ b/test/pptx/incremental-lists/without-flag/deleted-layouts.pptx
@@ -3342,19 +3342,11 @@
             </a:pPr>
             <a:r>
               <a:rPr/>
-              <a:t>Slide</a:t>
-            </a:r>
-            <a:r>
-              <a:rPr/>
-              <a:t> </a:t>
-            </a:r>
-            <a:r>
-              <a:rPr/>
-              <a:t>1</a:t>
-            </a:r>
-            <a:r>
-              <a:rPr/>
-              <a:t> </a:t>
+              <a:t>Slide </a:t>
+            </a:r>
+            <a:r>
+              <a:rPr/>
+              <a:t>1 </a:t>
             </a:r>
             <a:r>
               <a:rPr/>
@@ -3734,19 +3726,11 @@
             </a:pPr>
             <a:r>
               <a:rPr/>
-              <a:t>Slide</a:t>
-            </a:r>
-            <a:r>
-              <a:rPr/>
-              <a:t> </a:t>
-            </a:r>
-            <a:r>
-              <a:rPr/>
-              <a:t>11</a:t>
-            </a:r>
-            <a:r>
-              <a:rPr/>
-              <a:t> </a:t>
+              <a:t>Slide </a:t>
+            </a:r>
+            <a:r>
+              <a:rPr/>
+              <a:t>11 </a:t>
             </a:r>
             <a:r>
               <a:rPr/>
@@ -4230,19 +4214,11 @@
             </a:pPr>
             <a:r>
               <a:rPr/>
-              <a:t>Slide</a:t>
-            </a:r>
-            <a:r>
-              <a:rPr/>
-              <a:t> </a:t>
-            </a:r>
-            <a:r>
-              <a:rPr/>
-              <a:t>12</a:t>
-            </a:r>
-            <a:r>
-              <a:rPr/>
-              <a:t> </a:t>
+              <a:t>Slide </a:t>
+            </a:r>
+            <a:r>
+              <a:rPr/>
+              <a:t>12 </a:t>
             </a:r>
             <a:r>
               <a:rPr/>
@@ -4531,19 +4507,11 @@
             </a:pPr>
             <a:r>
               <a:rPr/>
-              <a:t>Slide</a:t>
-            </a:r>
-            <a:r>
-              <a:rPr/>
-              <a:t> </a:t>
-            </a:r>
-            <a:r>
-              <a:rPr/>
-              <a:t>2</a:t>
-            </a:r>
-            <a:r>
-              <a:rPr/>
-              <a:t> </a:t>
+              <a:t>Slide </a:t>
+            </a:r>
+            <a:r>
+              <a:rPr/>
+              <a:t>2 </a:t>
             </a:r>
             <a:r>
               <a:rPr/>
@@ -4631,19 +4599,11 @@
             </a:pPr>
             <a:r>
               <a:rPr/>
-              <a:t>Slide</a:t>
-            </a:r>
-            <a:r>
-              <a:rPr/>
-              <a:t> </a:t>
-            </a:r>
-            <a:r>
-              <a:rPr/>
-              <a:t>3</a:t>
-            </a:r>
-            <a:r>
-              <a:rPr/>
-              <a:t> </a:t>
+              <a:t>Slide </a:t>
+            </a:r>
+            <a:r>
+              <a:rPr/>
+              <a:t>3 </a:t>
             </a:r>
             <a:r>
               <a:rPr/>
@@ -4920,19 +4880,11 @@
             </a:pPr>
             <a:r>
               <a:rPr/>
-              <a:t>Slide</a:t>
-            </a:r>
-            <a:r>
-              <a:rPr/>
-              <a:t> </a:t>
-            </a:r>
-            <a:r>
-              <a:rPr/>
-              <a:t>4</a:t>
-            </a:r>
-            <a:r>
-              <a:rPr/>
-              <a:t> </a:t>
+              <a:t>Slide </a:t>
+            </a:r>
+            <a:r>
+              <a:rPr/>
+              <a:t>4 </a:t>
             </a:r>
             <a:r>
               <a:rPr/>
@@ -5215,27 +5167,15 @@
             </a:pPr>
             <a:r>
               <a:rPr/>
-              <a:t>Slide</a:t>
-            </a:r>
-            <a:r>
-              <a:rPr/>
-              <a:t> </a:t>
-            </a:r>
-            <a:r>
-              <a:rPr/>
-              <a:t>5</a:t>
-            </a:r>
-            <a:r>
-              <a:rPr/>
-              <a:t> </a:t>
-            </a:r>
-            <a:r>
-              <a:rPr/>
-              <a:t>(Two</a:t>
-            </a:r>
-            <a:r>
-              <a:rPr/>
-              <a:t> </a:t>
+              <a:t>Slide </a:t>
+            </a:r>
+            <a:r>
+              <a:rPr/>
+              <a:t>5 </a:t>
+            </a:r>
+            <a:r>
+              <a:rPr/>
+              <a:t>(Two </a:t>
             </a:r>
             <a:r>
               <a:rPr/>
@@ -5736,35 +5676,19 @@
             </a:pPr>
             <a:r>
               <a:rPr/>
-              <a:t>Slide</a:t>
-            </a:r>
-            <a:r>
-              <a:rPr/>
-              <a:t> </a:t>
-            </a:r>
-            <a:r>
-              <a:rPr/>
-              <a:t>6</a:t>
-            </a:r>
-            <a:r>
-              <a:rPr/>
-              <a:t> </a:t>
-            </a:r>
-            <a:r>
-              <a:rPr/>
-              <a:t>(Two</a:t>
-            </a:r>
-            <a:r>
-              <a:rPr/>
-              <a:t> </a:t>
-            </a:r>
-            <a:r>
-              <a:rPr/>
-              <a:t>Content</a:t>
-            </a:r>
-            <a:r>
-              <a:rPr/>
-              <a:t> </a:t>
+              <a:t>Slide </a:t>
+            </a:r>
+            <a:r>
+              <a:rPr/>
+              <a:t>6 </a:t>
+            </a:r>
+            <a:r>
+              <a:rPr/>
+              <a:t>(Two </a:t>
+            </a:r>
+            <a:r>
+              <a:rPr/>
+              <a:t>Content </a:t>
             </a:r>
             <a:r>
               <a:rPr/>
@@ -5828,11 +5752,7 @@
             </a:pPr>
             <a:r>
               <a:rPr/>
-              <a:t>an</a:t>
-            </a:r>
-            <a:r>
-              <a:rPr/>
-              <a:t> </a:t>
+              <a:t>an </a:t>
             </a:r>
             <a:r>
               <a:rPr/>
@@ -6105,35 +6025,19 @@
             </a:pPr>
             <a:r>
               <a:rPr/>
-              <a:t>Slide</a:t>
-            </a:r>
-            <a:r>
-              <a:rPr/>
-              <a:t> </a:t>
-            </a:r>
-            <a:r>
-              <a:rPr/>
-              <a:t>7</a:t>
-            </a:r>
-            <a:r>
-              <a:rPr/>
-              <a:t> </a:t>
-            </a:r>
-            <a:r>
-              <a:rPr/>
-              <a:t>(Content</a:t>
-            </a:r>
-            <a:r>
-              <a:rPr/>
-              <a:t> </a:t>
-            </a:r>
-            <a:r>
-              <a:rPr/>
-              <a:t>with</a:t>
-            </a:r>
-            <a:r>
-              <a:rPr/>
-              <a:t> </a:t>
+              <a:t>Slide </a:t>
+            </a:r>
+            <a:r>
+              <a:rPr/>
+              <a:t>7 </a:t>
+            </a:r>
+            <a:r>
+              <a:rPr/>
+              <a:t>(Content </a:t>
+            </a:r>
+            <a:r>
+              <a:rPr/>
+              <a:t>with </a:t>
             </a:r>
             <a:r>
               <a:rPr/>
@@ -6252,11 +6156,7 @@
             </a:pPr>
             <a:r>
               <a:rPr/>
-              <a:t>An</a:t>
-            </a:r>
-            <a:r>
-              <a:rPr/>
-              <a:t> </a:t>
+              <a:t>An </a:t>
             </a:r>
             <a:r>
               <a:rPr/>
@@ -6487,19 +6387,11 @@
             </a:pPr>
             <a:r>
               <a:rPr/>
-              <a:t>Slide</a:t>
-            </a:r>
-            <a:r>
-              <a:rPr/>
-              <a:t> </a:t>
-            </a:r>
-            <a:r>
-              <a:rPr/>
-              <a:t>8</a:t>
-            </a:r>
-            <a:r>
-              <a:rPr/>
-              <a:t> </a:t>
+              <a:t>Slide </a:t>
+            </a:r>
+            <a:r>
+              <a:rPr/>
+              <a:t>8 </a:t>
             </a:r>
             <a:r>
               <a:rPr/>
@@ -6600,11 +6492,7 @@
             </a:pPr>
             <a:r>
               <a:rPr/>
-              <a:t>An</a:t>
-            </a:r>
-            <a:r>
-              <a:rPr/>
-              <a:t> </a:t>
+              <a:t>An </a:t>
             </a:r>
             <a:r>
               <a:rPr/>
@@ -7088,19 +6976,11 @@
             </a:pPr>
             <a:r>
               <a:rPr/>
-              <a:t>Slide</a:t>
-            </a:r>
-            <a:r>
-              <a:rPr/>
-              <a:t> </a:t>
-            </a:r>
-            <a:r>
-              <a:rPr/>
-              <a:t>10</a:t>
-            </a:r>
-            <a:r>
-              <a:rPr/>
-              <a:t> </a:t>
+              <a:t>Slide </a:t>
+            </a:r>
+            <a:r>
+              <a:rPr/>
+              <a:t>10 </a:t>
             </a:r>
             <a:r>
               <a:rPr/>

--- a/test/pptx/incremental-lists/without-flag/deleted-layouts.pptx
+++ b/test/pptx/incremental-lists/without-flag/deleted-layouts.pptx
@@ -3342,11 +3342,19 @@
             </a:pPr>
             <a:r>
               <a:rPr/>
-              <a:t>Slide </a:t>
-            </a:r>
-            <a:r>
-              <a:rPr/>
-              <a:t>1 </a:t>
+              <a:t>Slide</a:t>
+            </a:r>
+            <a:r>
+              <a:rPr/>
+              <a:t> </a:t>
+            </a:r>
+            <a:r>
+              <a:rPr/>
+              <a:t>1</a:t>
+            </a:r>
+            <a:r>
+              <a:rPr/>
+              <a:t> </a:t>
             </a:r>
             <a:r>
               <a:rPr/>
@@ -3726,11 +3734,19 @@
             </a:pPr>
             <a:r>
               <a:rPr/>
-              <a:t>Slide </a:t>
-            </a:r>
-            <a:r>
-              <a:rPr/>
-              <a:t>11 </a:t>
+              <a:t>Slide</a:t>
+            </a:r>
+            <a:r>
+              <a:rPr/>
+              <a:t> </a:t>
+            </a:r>
+            <a:r>
+              <a:rPr/>
+              <a:t>11</a:t>
+            </a:r>
+            <a:r>
+              <a:rPr/>
+              <a:t> </a:t>
             </a:r>
             <a:r>
               <a:rPr/>
@@ -4214,11 +4230,19 @@
             </a:pPr>
             <a:r>
               <a:rPr/>
-              <a:t>Slide </a:t>
-            </a:r>
-            <a:r>
-              <a:rPr/>
-              <a:t>12 </a:t>
+              <a:t>Slide</a:t>
+            </a:r>
+            <a:r>
+              <a:rPr/>
+              <a:t> </a:t>
+            </a:r>
+            <a:r>
+              <a:rPr/>
+              <a:t>12</a:t>
+            </a:r>
+            <a:r>
+              <a:rPr/>
+              <a:t> </a:t>
             </a:r>
             <a:r>
               <a:rPr/>
@@ -4507,11 +4531,19 @@
             </a:pPr>
             <a:r>
               <a:rPr/>
-              <a:t>Slide </a:t>
-            </a:r>
-            <a:r>
-              <a:rPr/>
-              <a:t>2 </a:t>
+              <a:t>Slide</a:t>
+            </a:r>
+            <a:r>
+              <a:rPr/>
+              <a:t> </a:t>
+            </a:r>
+            <a:r>
+              <a:rPr/>
+              <a:t>2</a:t>
+            </a:r>
+            <a:r>
+              <a:rPr/>
+              <a:t> </a:t>
             </a:r>
             <a:r>
               <a:rPr/>
@@ -4599,11 +4631,19 @@
             </a:pPr>
             <a:r>
               <a:rPr/>
-              <a:t>Slide </a:t>
-            </a:r>
-            <a:r>
-              <a:rPr/>
-              <a:t>3 </a:t>
+              <a:t>Slide</a:t>
+            </a:r>
+            <a:r>
+              <a:rPr/>
+              <a:t> </a:t>
+            </a:r>
+            <a:r>
+              <a:rPr/>
+              <a:t>3</a:t>
+            </a:r>
+            <a:r>
+              <a:rPr/>
+              <a:t> </a:t>
             </a:r>
             <a:r>
               <a:rPr/>
@@ -4880,11 +4920,19 @@
             </a:pPr>
             <a:r>
               <a:rPr/>
-              <a:t>Slide </a:t>
-            </a:r>
-            <a:r>
-              <a:rPr/>
-              <a:t>4 </a:t>
+              <a:t>Slide</a:t>
+            </a:r>
+            <a:r>
+              <a:rPr/>
+              <a:t> </a:t>
+            </a:r>
+            <a:r>
+              <a:rPr/>
+              <a:t>4</a:t>
+            </a:r>
+            <a:r>
+              <a:rPr/>
+              <a:t> </a:t>
             </a:r>
             <a:r>
               <a:rPr/>
@@ -5167,15 +5215,27 @@
             </a:pPr>
             <a:r>
               <a:rPr/>
-              <a:t>Slide </a:t>
-            </a:r>
-            <a:r>
-              <a:rPr/>
-              <a:t>5 </a:t>
-            </a:r>
-            <a:r>
-              <a:rPr/>
-              <a:t>(Two </a:t>
+              <a:t>Slide</a:t>
+            </a:r>
+            <a:r>
+              <a:rPr/>
+              <a:t> </a:t>
+            </a:r>
+            <a:r>
+              <a:rPr/>
+              <a:t>5</a:t>
+            </a:r>
+            <a:r>
+              <a:rPr/>
+              <a:t> </a:t>
+            </a:r>
+            <a:r>
+              <a:rPr/>
+              <a:t>(Two</a:t>
+            </a:r>
+            <a:r>
+              <a:rPr/>
+              <a:t> </a:t>
             </a:r>
             <a:r>
               <a:rPr/>
@@ -5676,19 +5736,35 @@
             </a:pPr>
             <a:r>
               <a:rPr/>
-              <a:t>Slide </a:t>
-            </a:r>
-            <a:r>
-              <a:rPr/>
-              <a:t>6 </a:t>
-            </a:r>
-            <a:r>
-              <a:rPr/>
-              <a:t>(Two </a:t>
-            </a:r>
-            <a:r>
-              <a:rPr/>
-              <a:t>Content </a:t>
+              <a:t>Slide</a:t>
+            </a:r>
+            <a:r>
+              <a:rPr/>
+              <a:t> </a:t>
+            </a:r>
+            <a:r>
+              <a:rPr/>
+              <a:t>6</a:t>
+            </a:r>
+            <a:r>
+              <a:rPr/>
+              <a:t> </a:t>
+            </a:r>
+            <a:r>
+              <a:rPr/>
+              <a:t>(Two</a:t>
+            </a:r>
+            <a:r>
+              <a:rPr/>
+              <a:t> </a:t>
+            </a:r>
+            <a:r>
+              <a:rPr/>
+              <a:t>Content</a:t>
+            </a:r>
+            <a:r>
+              <a:rPr/>
+              <a:t> </a:t>
             </a:r>
             <a:r>
               <a:rPr/>
@@ -5752,7 +5828,11 @@
             </a:pPr>
             <a:r>
               <a:rPr/>
-              <a:t>an </a:t>
+              <a:t>an</a:t>
+            </a:r>
+            <a:r>
+              <a:rPr/>
+              <a:t> </a:t>
             </a:r>
             <a:r>
               <a:rPr/>
@@ -6025,19 +6105,35 @@
             </a:pPr>
             <a:r>
               <a:rPr/>
-              <a:t>Slide </a:t>
-            </a:r>
-            <a:r>
-              <a:rPr/>
-              <a:t>7 </a:t>
-            </a:r>
-            <a:r>
-              <a:rPr/>
-              <a:t>(Content </a:t>
-            </a:r>
-            <a:r>
-              <a:rPr/>
-              <a:t>with </a:t>
+              <a:t>Slide</a:t>
+            </a:r>
+            <a:r>
+              <a:rPr/>
+              <a:t> </a:t>
+            </a:r>
+            <a:r>
+              <a:rPr/>
+              <a:t>7</a:t>
+            </a:r>
+            <a:r>
+              <a:rPr/>
+              <a:t> </a:t>
+            </a:r>
+            <a:r>
+              <a:rPr/>
+              <a:t>(Content</a:t>
+            </a:r>
+            <a:r>
+              <a:rPr/>
+              <a:t> </a:t>
+            </a:r>
+            <a:r>
+              <a:rPr/>
+              <a:t>with</a:t>
+            </a:r>
+            <a:r>
+              <a:rPr/>
+              <a:t> </a:t>
             </a:r>
             <a:r>
               <a:rPr/>
@@ -6156,7 +6252,11 @@
             </a:pPr>
             <a:r>
               <a:rPr/>
-              <a:t>An </a:t>
+              <a:t>An</a:t>
+            </a:r>
+            <a:r>
+              <a:rPr/>
+              <a:t> </a:t>
             </a:r>
             <a:r>
               <a:rPr/>
@@ -6387,11 +6487,19 @@
             </a:pPr>
             <a:r>
               <a:rPr/>
-              <a:t>Slide </a:t>
-            </a:r>
-            <a:r>
-              <a:rPr/>
-              <a:t>8 </a:t>
+              <a:t>Slide</a:t>
+            </a:r>
+            <a:r>
+              <a:rPr/>
+              <a:t> </a:t>
+            </a:r>
+            <a:r>
+              <a:rPr/>
+              <a:t>8</a:t>
+            </a:r>
+            <a:r>
+              <a:rPr/>
+              <a:t> </a:t>
             </a:r>
             <a:r>
               <a:rPr/>
@@ -6492,7 +6600,11 @@
             </a:pPr>
             <a:r>
               <a:rPr/>
-              <a:t>An </a:t>
+              <a:t>An</a:t>
+            </a:r>
+            <a:r>
+              <a:rPr/>
+              <a:t> </a:t>
             </a:r>
             <a:r>
               <a:rPr/>
@@ -6976,11 +7088,19 @@
             </a:pPr>
             <a:r>
               <a:rPr/>
-              <a:t>Slide </a:t>
-            </a:r>
-            <a:r>
-              <a:rPr/>
-              <a:t>10 </a:t>
+              <a:t>Slide</a:t>
+            </a:r>
+            <a:r>
+              <a:rPr/>
+              <a:t> </a:t>
+            </a:r>
+            <a:r>
+              <a:rPr/>
+              <a:t>10</a:t>
+            </a:r>
+            <a:r>
+              <a:rPr/>
+              <a:t> </a:t>
             </a:r>
             <a:r>
               <a:rPr/>
